--- a/Numbers to Narrative - Building Compelling Data Stories with Tableau.pptx
+++ b/Numbers to Narrative - Building Compelling Data Stories with Tableau.pptx
@@ -9165,14 +9165,14 @@
         <p:spPr>
           <a:xfrm>
             <a:off x="1028700" y="2127652"/>
-            <a:ext cx="16023122" cy="763270"/>
+            <a:ext cx="16023122" cy="778739"/>
           </a:xfrm>
           <a:prstGeom prst="rect">
             <a:avLst/>
           </a:prstGeom>
         </p:spPr>
         <p:txBody>
-          <a:bodyPr lIns="0" tIns="0" rIns="0" bIns="0" rtlCol="0" anchor="t">
+          <a:bodyPr wrap="square" lIns="0" tIns="0" rIns="0" bIns="0" rtlCol="0" anchor="t">
             <a:spAutoFit/>
           </a:bodyPr>
           <a:lstStyle/>
@@ -9183,7 +9183,7 @@
               </a:lnSpc>
             </a:pPr>
             <a:r>
-              <a:rPr lang="en-US" sz="2199">
+              <a:rPr lang="en-US" sz="2199" dirty="0">
                 <a:solidFill>
                   <a:srgbClr val="000000"/>
                 </a:solidFill>
@@ -9202,13 +9202,31 @@
               </a:spcBef>
             </a:pPr>
             <a:r>
-              <a:rPr lang="en-US" sz="2199">
+              <a:rPr lang="en-US" sz="2199" dirty="0">
                 <a:solidFill>
                   <a:srgbClr val="000000"/>
                 </a:solidFill>
                 <a:latin typeface="Fira Code Light"/>
               </a:rPr>
-              <a:t>https://home.chicagopolice.org/statistics-data/data-dashboards/hate-crime-dashboard/</a:t>
+              <a:t>https://</a:t>
+            </a:r>
+            <a:r>
+              <a:rPr lang="en-US" sz="2199" dirty="0" err="1">
+                <a:solidFill>
+                  <a:srgbClr val="000000"/>
+                </a:solidFill>
+                <a:latin typeface="Fira Code Light"/>
+              </a:rPr>
+              <a:t>tabsoft.co</a:t>
+            </a:r>
+            <a:r>
+              <a:rPr lang="en-US" sz="2199" dirty="0">
+                <a:solidFill>
+                  <a:srgbClr val="000000"/>
+                </a:solidFill>
+                <a:latin typeface="Fira Code Light"/>
+              </a:rPr>
+              <a:t>/406z3Nd</a:t>
             </a:r>
           </a:p>
         </p:txBody>
